--- a/slides/09_reporting-guidelines.pptx
+++ b/slides/09_reporting-guidelines.pptx
@@ -202,7 +202,7 @@
           <a:p>
             <a:fld id="{A5B9E9DD-BE87-46D0-98E6-18D835742F3D}" type="datetimeFigureOut">
               <a:rPr lang="en-US" smtClean="0"/>
-              <a:t>3/10/22</a:t>
+              <a:t>3/9/23</a:t>
             </a:fld>
             <a:endParaRPr lang="en-US"/>
           </a:p>
@@ -3213,8 +3213,8 @@
           </a:p>
         </p:txBody>
       </p:sp>
-      <mc:AlternateContent xmlns:mc="http://schemas.openxmlformats.org/markup-compatibility/2006">
-        <mc:Choice xmlns:a14="http://schemas.microsoft.com/office/drawing/2010/main" Requires="a14">
+      <mc:AlternateContent xmlns:mc="http://schemas.openxmlformats.org/markup-compatibility/2006" xmlns:a14="http://schemas.microsoft.com/office/drawing/2010/main">
+        <mc:Choice Requires="a14">
           <p:sp>
             <p:nvSpPr>
               <p:cNvPr id="3" name="Content Placeholder 2">
@@ -3326,7 +3326,7 @@
             </p:txBody>
           </p:sp>
         </mc:Choice>
-        <mc:Fallback>
+        <mc:Fallback xmlns="">
           <p:sp>
             <p:nvSpPr>
               <p:cNvPr id="3" name="Content Placeholder 2">
@@ -3547,13 +3547,8 @@
                 <a:pPr lvl="1"/>
                 <a:r>
                   <a:rPr lang="en-US" dirty="0"/>
-                  <a:t>Give (back-transformed) predicted means + CIs + </a:t>
+                  <a:t>Give (back-transformed) predicted means + CIs + PIs</a:t>
                 </a:r>
-                <a:r>
-                  <a:rPr lang="en-US" dirty="0" err="1"/>
-                  <a:t>Pis</a:t>
-                </a:r>
-                <a:endParaRPr lang="en-US" dirty="0"/>
               </a:p>
               <a:p>
                 <a:pPr lvl="1"/>
@@ -3611,7 +3606,7 @@
               <a:blipFill>
                 <a:blip r:embed="rId2"/>
                 <a:stretch>
-                  <a:fillRect l="-1206" t="-2094"/>
+                  <a:fillRect l="-1206" t="-2356"/>
                 </a:stretch>
               </a:blipFill>
             </p:spPr>
@@ -4387,21 +4382,6 @@
 </file>
 
 <file path=customXml/item1.xml><?xml version="1.0" encoding="utf-8"?>
-<?mso-contentType ?>
-<FormTemplates xmlns="http://schemas.microsoft.com/sharepoint/v3/contenttype/forms">
-  <Display>DocumentLibraryForm</Display>
-  <Edit>DocumentLibraryForm</Edit>
-  <New>DocumentLibraryForm</New>
-</FormTemplates>
-</file>
-
-<file path=customXml/item2.xml><?xml version="1.0" encoding="utf-8"?>
-<p:properties xmlns:p="http://schemas.microsoft.com/office/2006/metadata/properties" xmlns:xsi="http://www.w3.org/2001/XMLSchema-instance" xmlns:pc="http://schemas.microsoft.com/office/infopath/2007/PartnerControls">
-  <documentManagement/>
-</p:properties>
-</file>
-
-<file path=customXml/item3.xml><?xml version="1.0" encoding="utf-8"?>
 <ct:contentTypeSchema xmlns:ct="http://schemas.microsoft.com/office/2006/metadata/contentType" xmlns:ma="http://schemas.microsoft.com/office/2006/metadata/properties/metaAttributes" ct:_="" ma:_="" ma:contentTypeName="Document" ma:contentTypeID="0x010100C510C8780454A64385BF21049B1850C5" ma:contentTypeVersion="7" ma:contentTypeDescription="Create a new document." ma:contentTypeScope="" ma:versionID="47a68a81adc4e0e7972bb95a1a99f0b4">
   <xsd:schema xmlns:xsd="http://www.w3.org/2001/XMLSchema" xmlns:xs="http://www.w3.org/2001/XMLSchema" xmlns:p="http://schemas.microsoft.com/office/2006/metadata/properties" xmlns:ns2="d0331357-42e6-4e40-bf0a-1c2f9464db1b" targetNamespace="http://schemas.microsoft.com/office/2006/metadata/properties" ma:root="true" ma:fieldsID="01ec8d09ee7b5b75bd0cb813fd513e00" ns2:_="">
     <xsd:import namespace="d0331357-42e6-4e40-bf0a-1c2f9464db1b"/>
@@ -4565,10 +4545,35 @@
 </ct:contentTypeSchema>
 </file>
 
+<file path=customXml/item2.xml><?xml version="1.0" encoding="utf-8"?>
+<p:properties xmlns:p="http://schemas.microsoft.com/office/2006/metadata/properties" xmlns:xsi="http://www.w3.org/2001/XMLSchema-instance" xmlns:pc="http://schemas.microsoft.com/office/infopath/2007/PartnerControls">
+  <documentManagement/>
+</p:properties>
+</file>
+
+<file path=customXml/item3.xml><?xml version="1.0" encoding="utf-8"?>
+<?mso-contentType ?>
+<FormTemplates xmlns="http://schemas.microsoft.com/sharepoint/v3/contenttype/forms">
+  <Display>DocumentLibraryForm</Display>
+  <Edit>DocumentLibraryForm</Edit>
+  <New>DocumentLibraryForm</New>
+</FormTemplates>
+</file>
+
 <file path=customXml/itemProps1.xml><?xml version="1.0" encoding="utf-8"?>
-<ds:datastoreItem xmlns:ds="http://schemas.openxmlformats.org/officeDocument/2006/customXml" ds:itemID="{65F011C9-6572-4E3B-BA4C-E687532965A9}">
+<ds:datastoreItem xmlns:ds="http://schemas.openxmlformats.org/officeDocument/2006/customXml" ds:itemID="{8E01F417-FF7B-490D-BC83-D2E21BA12BB0}">
   <ds:schemaRefs>
-    <ds:schemaRef ds:uri="http://schemas.microsoft.com/sharepoint/v3/contenttype/forms"/>
+    <ds:schemaRef ds:uri="d0331357-42e6-4e40-bf0a-1c2f9464db1b"/>
+    <ds:schemaRef ds:uri="http://purl.org/dc/elements/1.1/"/>
+    <ds:schemaRef ds:uri="http://purl.org/dc/terms/"/>
+    <ds:schemaRef ds:uri="http://schemas.microsoft.com/internal/obd"/>
+    <ds:schemaRef ds:uri="http://schemas.microsoft.com/office/2006/documentManagement/types"/>
+    <ds:schemaRef ds:uri="http://schemas.microsoft.com/office/2006/metadata/contentType"/>
+    <ds:schemaRef ds:uri="http://schemas.microsoft.com/office/2006/metadata/properties"/>
+    <ds:schemaRef ds:uri="http://schemas.microsoft.com/office/2006/metadata/properties/metaAttributes"/>
+    <ds:schemaRef ds:uri="http://schemas.microsoft.com/office/infopath/2007/PartnerControls"/>
+    <ds:schemaRef ds:uri="http://schemas.openxmlformats.org/package/2006/metadata/core-properties"/>
+    <ds:schemaRef ds:uri="http://www.w3.org/2001/XMLSchema"/>
   </ds:schemaRefs>
 </ds:datastoreItem>
 </file>
@@ -4590,19 +4595,9 @@
 </file>
 
 <file path=customXml/itemProps3.xml><?xml version="1.0" encoding="utf-8"?>
-<ds:datastoreItem xmlns:ds="http://schemas.openxmlformats.org/officeDocument/2006/customXml" ds:itemID="{8E01F417-FF7B-490D-BC83-D2E21BA12BB0}">
+<ds:datastoreItem xmlns:ds="http://schemas.openxmlformats.org/officeDocument/2006/customXml" ds:itemID="{65F011C9-6572-4E3B-BA4C-E687532965A9}">
   <ds:schemaRefs>
-    <ds:schemaRef ds:uri="d0331357-42e6-4e40-bf0a-1c2f9464db1b"/>
-    <ds:schemaRef ds:uri="http://purl.org/dc/elements/1.1/"/>
-    <ds:schemaRef ds:uri="http://purl.org/dc/terms/"/>
-    <ds:schemaRef ds:uri="http://schemas.microsoft.com/internal/obd"/>
-    <ds:schemaRef ds:uri="http://schemas.microsoft.com/office/2006/documentManagement/types"/>
-    <ds:schemaRef ds:uri="http://schemas.microsoft.com/office/2006/metadata/contentType"/>
-    <ds:schemaRef ds:uri="http://schemas.microsoft.com/office/2006/metadata/properties"/>
-    <ds:schemaRef ds:uri="http://schemas.microsoft.com/office/2006/metadata/properties/metaAttributes"/>
-    <ds:schemaRef ds:uri="http://schemas.microsoft.com/office/infopath/2007/PartnerControls"/>
-    <ds:schemaRef ds:uri="http://schemas.openxmlformats.org/package/2006/metadata/core-properties"/>
-    <ds:schemaRef ds:uri="http://www.w3.org/2001/XMLSchema"/>
+    <ds:schemaRef ds:uri="http://schemas.microsoft.com/sharepoint/v3/contenttype/forms"/>
   </ds:schemaRefs>
 </ds:datastoreItem>
 </file>